--- a/Dokumente/Sport Challenge Projekt Zwischenpräsentation Final.pptx
+++ b/Dokumente/Sport Challenge Projekt Zwischenpräsentation Final.pptx
@@ -23910,7 +23910,7 @@
           <a:p>
             <a:fld id="{AE25E4C6-71FE-413B-98C2-09B058193A3A}" type="datetimeFigureOut">
               <a:rPr lang="de-DE" smtClean="0"/>
-              <a:t>19.04.2023</a:t>
+              <a:t>20.04.2023</a:t>
             </a:fld>
             <a:endParaRPr lang="de-DE"/>
           </a:p>
@@ -23988,7 +23988,7 @@
           <a:p>
             <a:fld id="{9FB03AAF-7592-41B3-9E72-470698E1FEDE}" type="slidenum">
               <a:rPr lang="de-DE" smtClean="0"/>
-              <a:t>‹#›</a:t>
+              <a:t>‹Nr.›</a:t>
             </a:fld>
             <a:endParaRPr lang="de-DE"/>
           </a:p>
@@ -24087,7 +24087,7 @@
           <a:p>
             <a:fld id="{813D54AF-94F5-4D49-99B8-021B863E1665}" type="datetimeFigureOut">
               <a:rPr lang="de-DE" smtClean="0"/>
-              <a:t>19.04.2023</a:t>
+              <a:t>20.04.2023</a:t>
             </a:fld>
             <a:endParaRPr lang="de-DE"/>
           </a:p>
@@ -24245,7 +24245,7 @@
           <a:p>
             <a:fld id="{2C9099B4-18F4-45AF-B84E-139A08CC2BE3}" type="slidenum">
               <a:rPr lang="de-DE" smtClean="0"/>
-              <a:t>‹#›</a:t>
+              <a:t>‹Nr.›</a:t>
             </a:fld>
             <a:endParaRPr lang="de-DE"/>
           </a:p>
@@ -24764,7 +24764,7 @@
           <a:p>
             <a:fld id="{E90FD8FD-92D3-4EE3-B0DF-DCA1D7BA49A2}" type="datetime1">
               <a:rPr lang="de-DE" smtClean="0"/>
-              <a:t>19.04.2023</a:t>
+              <a:t>20.04.2023</a:t>
             </a:fld>
             <a:endParaRPr lang="de-DE"/>
           </a:p>
@@ -24821,7 +24821,7 @@
           <a:p>
             <a:fld id="{89FC54A0-61CC-4F67-9F0E-F272352AC899}" type="slidenum">
               <a:rPr lang="de-DE" smtClean="0"/>
-              <a:t>‹#›</a:t>
+              <a:t>‹Nr.›</a:t>
             </a:fld>
             <a:endParaRPr lang="de-DE"/>
           </a:p>
@@ -25031,7 +25031,7 @@
           <a:p>
             <a:fld id="{6D7F8D16-FE72-4C22-B7AC-8EE07B6EED2F}" type="datetime1">
               <a:rPr lang="de-DE" smtClean="0"/>
-              <a:t>19.04.2023</a:t>
+              <a:t>20.04.2023</a:t>
             </a:fld>
             <a:endParaRPr lang="de-DE"/>
           </a:p>
@@ -25088,7 +25088,7 @@
           <a:p>
             <a:fld id="{89FC54A0-61CC-4F67-9F0E-F272352AC899}" type="slidenum">
               <a:rPr lang="de-DE" smtClean="0"/>
-              <a:t>‹#›</a:t>
+              <a:t>‹Nr.›</a:t>
             </a:fld>
             <a:endParaRPr lang="de-DE"/>
           </a:p>
@@ -25366,7 +25366,7 @@
           <a:p>
             <a:fld id="{AE7334DE-A8EC-457F-95B2-F2B5FF7DF09A}" type="datetime1">
               <a:rPr lang="de-DE" smtClean="0"/>
-              <a:t>19.04.2023</a:t>
+              <a:t>20.04.2023</a:t>
             </a:fld>
             <a:endParaRPr lang="de-DE"/>
           </a:p>
@@ -25423,7 +25423,7 @@
           <a:p>
             <a:fld id="{89FC54A0-61CC-4F67-9F0E-F272352AC899}" type="slidenum">
               <a:rPr lang="de-DE" smtClean="0"/>
-              <a:t>‹#›</a:t>
+              <a:t>‹Nr.›</a:t>
             </a:fld>
             <a:endParaRPr lang="de-DE"/>
           </a:p>
@@ -25663,7 +25663,7 @@
           <a:p>
             <a:fld id="{8C7137F3-02F4-46F1-9936-6C2347540842}" type="datetime1">
               <a:rPr lang="de-DE" smtClean="0"/>
-              <a:t>19.04.2023</a:t>
+              <a:t>20.04.2023</a:t>
             </a:fld>
             <a:endParaRPr lang="de-DE"/>
           </a:p>
@@ -25720,7 +25720,7 @@
           <a:p>
             <a:fld id="{89FC54A0-61CC-4F67-9F0E-F272352AC899}" type="slidenum">
               <a:rPr lang="de-DE" smtClean="0"/>
-              <a:t>‹#›</a:t>
+              <a:t>‹Nr.›</a:t>
             </a:fld>
             <a:endParaRPr lang="de-DE"/>
           </a:p>
@@ -26156,7 +26156,7 @@
           <a:p>
             <a:fld id="{14BC310E-4BB2-45AD-97A0-FB0F13A7022D}" type="datetime1">
               <a:rPr lang="de-DE" smtClean="0"/>
-              <a:t>19.04.2023</a:t>
+              <a:t>20.04.2023</a:t>
             </a:fld>
             <a:endParaRPr lang="de-DE"/>
           </a:p>
@@ -26213,7 +26213,7 @@
           <a:p>
             <a:fld id="{89FC54A0-61CC-4F67-9F0E-F272352AC899}" type="slidenum">
               <a:rPr lang="de-DE" smtClean="0"/>
-              <a:t>‹#›</a:t>
+              <a:t>‹Nr.›</a:t>
             </a:fld>
             <a:endParaRPr lang="de-DE"/>
           </a:p>
@@ -26368,7 +26368,7 @@
           <a:p>
             <a:fld id="{4EDCF329-48FA-442C-A0FF-B9C0A98D9683}" type="datetime1">
               <a:rPr lang="de-DE" smtClean="0"/>
-              <a:t>19.04.2023</a:t>
+              <a:t>20.04.2023</a:t>
             </a:fld>
             <a:endParaRPr lang="de-DE"/>
           </a:p>
@@ -26425,7 +26425,7 @@
           <a:p>
             <a:fld id="{89FC54A0-61CC-4F67-9F0E-F272352AC899}" type="slidenum">
               <a:rPr lang="de-DE" smtClean="0"/>
-              <a:t>‹#›</a:t>
+              <a:t>‹Nr.›</a:t>
             </a:fld>
             <a:endParaRPr lang="de-DE"/>
           </a:p>
@@ -26580,7 +26580,7 @@
           <a:p>
             <a:fld id="{CB12B6E9-E110-4E27-8C85-6D74E968BF5E}" type="datetime1">
               <a:rPr lang="de-DE" smtClean="0"/>
-              <a:t>19.04.2023</a:t>
+              <a:t>20.04.2023</a:t>
             </a:fld>
             <a:endParaRPr lang="de-DE"/>
           </a:p>
@@ -26637,7 +26637,7 @@
           <a:p>
             <a:fld id="{89FC54A0-61CC-4F67-9F0E-F272352AC899}" type="slidenum">
               <a:rPr lang="de-DE" smtClean="0"/>
-              <a:t>‹#›</a:t>
+              <a:t>‹Nr.›</a:t>
             </a:fld>
             <a:endParaRPr lang="de-DE"/>
           </a:p>
@@ -26898,7 +26898,7 @@
           <a:p>
             <a:fld id="{701AFA05-AC08-426E-9496-E8C2A85EA790}" type="datetime1">
               <a:rPr lang="de-DE" smtClean="0"/>
-              <a:t>19.04.2023</a:t>
+              <a:t>20.04.2023</a:t>
             </a:fld>
             <a:endParaRPr lang="de-DE"/>
           </a:p>
@@ -26955,7 +26955,7 @@
           <a:p>
             <a:fld id="{89FC54A0-61CC-4F67-9F0E-F272352AC899}" type="slidenum">
               <a:rPr lang="de-DE" smtClean="0"/>
-              <a:t>‹#›</a:t>
+              <a:t>‹Nr.›</a:t>
             </a:fld>
             <a:endParaRPr lang="de-DE"/>
           </a:p>
@@ -27316,7 +27316,7 @@
             <a:fld id="{E5EC41AA-56C8-473E-8111-068D0FAEB7DD}" type="datetime1">
               <a:rPr lang="de-DE" smtClean="0"/>
               <a:pPr/>
-              <a:t>19.04.2023</a:t>
+              <a:t>20.04.2023</a:t>
             </a:fld>
             <a:endParaRPr lang="de-DE"/>
           </a:p>
@@ -27406,7 +27406,7 @@
             <a:fld id="{89FC54A0-61CC-4F67-9F0E-F272352AC899}" type="slidenum">
               <a:rPr lang="de-DE" smtClean="0"/>
               <a:pPr/>
-              <a:t>‹#›</a:t>
+              <a:t>‹Nr.›</a:t>
             </a:fld>
             <a:endParaRPr lang="de-DE"/>
           </a:p>
